--- a/Simple Banking Application.pptx
+++ b/Simple Banking Application.pptx
@@ -5417,7 +5417,7 @@
         </p:spPr>
         <p:txBody>
           <a:bodyPr>
-            <a:normAutofit lnSpcReduction="10000"/>
+            <a:normAutofit/>
           </a:bodyPr>
           <a:lstStyle/>
           <a:p>
@@ -5444,116 +5444,54 @@
             </a:r>
           </a:p>
           <a:p>
-            <a:pPr algn="l">
-              <a:lnSpc>
-                <a:spcPct val="160000"/>
-              </a:lnSpc>
-            </a:pPr>
-            <a:r>
-              <a:rPr lang="en-US" sz="1700" dirty="0" smtClean="0">
-                <a:solidFill>
-                  <a:schemeClr val="tx1"/>
-                </a:solidFill>
-                <a:latin typeface="Times New Roman" panose="02020603050405020304" pitchFamily="18" charset="0"/>
-                <a:cs typeface="Times New Roman" panose="02020603050405020304" pitchFamily="18" charset="0"/>
-              </a:rPr>
-              <a:t>public void deposit(double amount) {</a:t>
-            </a:r>
-            <a:br>
-              <a:rPr lang="en-US" sz="1700" dirty="0" smtClean="0">
-                <a:solidFill>
-                  <a:schemeClr val="tx1"/>
-                </a:solidFill>
-                <a:latin typeface="Times New Roman" panose="02020603050405020304" pitchFamily="18" charset="0"/>
-                <a:cs typeface="Times New Roman" panose="02020603050405020304" pitchFamily="18" charset="0"/>
-              </a:rPr>
-            </a:br>
-            <a:r>
-              <a:rPr lang="en-US" sz="1700" dirty="0" smtClean="0">
-                <a:solidFill>
-                  <a:schemeClr val="tx1"/>
-                </a:solidFill>
-                <a:latin typeface="Times New Roman" panose="02020603050405020304" pitchFamily="18" charset="0"/>
-                <a:cs typeface="Times New Roman" panose="02020603050405020304" pitchFamily="18" charset="0"/>
-              </a:rPr>
-              <a:t>    if (amount &gt; 0) {</a:t>
-            </a:r>
-            <a:br>
-              <a:rPr lang="en-US" sz="1700" dirty="0" smtClean="0">
-                <a:solidFill>
-                  <a:schemeClr val="tx1"/>
-                </a:solidFill>
-                <a:latin typeface="Times New Roman" panose="02020603050405020304" pitchFamily="18" charset="0"/>
-                <a:cs typeface="Times New Roman" panose="02020603050405020304" pitchFamily="18" charset="0"/>
-              </a:rPr>
-            </a:br>
-            <a:r>
-              <a:rPr lang="en-US" sz="1700" dirty="0" smtClean="0">
-                <a:solidFill>
-                  <a:schemeClr val="tx1"/>
-                </a:solidFill>
-                <a:latin typeface="Times New Roman" panose="02020603050405020304" pitchFamily="18" charset="0"/>
-                <a:cs typeface="Times New Roman" panose="02020603050405020304" pitchFamily="18" charset="0"/>
-              </a:rPr>
-              <a:t>        balance += amount;</a:t>
-            </a:r>
-            <a:br>
-              <a:rPr lang="en-US" sz="1700" dirty="0" smtClean="0">
-                <a:solidFill>
-                  <a:schemeClr val="tx1"/>
-                </a:solidFill>
-                <a:latin typeface="Times New Roman" panose="02020603050405020304" pitchFamily="18" charset="0"/>
-                <a:cs typeface="Times New Roman" panose="02020603050405020304" pitchFamily="18" charset="0"/>
-              </a:rPr>
-            </a:br>
-            <a:r>
-              <a:rPr lang="en-US" sz="1700" dirty="0" smtClean="0">
-                <a:solidFill>
-                  <a:schemeClr val="tx1"/>
-                </a:solidFill>
-                <a:latin typeface="Times New Roman" panose="02020603050405020304" pitchFamily="18" charset="0"/>
-                <a:cs typeface="Times New Roman" panose="02020603050405020304" pitchFamily="18" charset="0"/>
-              </a:rPr>
-              <a:t>        System.out.println("Deposited: " + amount);</a:t>
-            </a:r>
-            <a:br>
-              <a:rPr lang="en-US" sz="1700" dirty="0" smtClean="0">
-                <a:solidFill>
-                  <a:schemeClr val="tx1"/>
-                </a:solidFill>
-                <a:latin typeface="Times New Roman" panose="02020603050405020304" pitchFamily="18" charset="0"/>
-                <a:cs typeface="Times New Roman" panose="02020603050405020304" pitchFamily="18" charset="0"/>
-              </a:rPr>
-            </a:br>
-            <a:r>
-              <a:rPr lang="en-US" sz="1700" dirty="0" smtClean="0">
-                <a:solidFill>
-                  <a:schemeClr val="tx1"/>
-                </a:solidFill>
-                <a:latin typeface="Times New Roman" panose="02020603050405020304" pitchFamily="18" charset="0"/>
-                <a:cs typeface="Times New Roman" panose="02020603050405020304" pitchFamily="18" charset="0"/>
-              </a:rPr>
-              <a:t>    }</a:t>
-            </a:r>
-            <a:br>
-              <a:rPr lang="en-US" sz="1700" dirty="0" smtClean="0">
-                <a:solidFill>
-                  <a:schemeClr val="tx1"/>
-                </a:solidFill>
-                <a:latin typeface="Times New Roman" panose="02020603050405020304" pitchFamily="18" charset="0"/>
-                <a:cs typeface="Times New Roman" panose="02020603050405020304" pitchFamily="18" charset="0"/>
-              </a:rPr>
-            </a:br>
-            <a:r>
-              <a:rPr lang="en-US" sz="1700" dirty="0" smtClean="0">
-                <a:solidFill>
-                  <a:schemeClr val="tx1"/>
-                </a:solidFill>
-                <a:latin typeface="Times New Roman" panose="02020603050405020304" pitchFamily="18" charset="0"/>
-                <a:cs typeface="Times New Roman" panose="02020603050405020304" pitchFamily="18" charset="0"/>
-              </a:rPr>
-              <a:t>}</a:t>
-            </a:r>
+            <a:pPr algn="l"/>
+            <a:endParaRPr lang="en-US" sz="2200" b="1" u="sng" dirty="0" smtClean="0">
+              <a:solidFill>
+                <a:schemeClr val="tx1"/>
+              </a:solidFill>
+              <a:latin typeface="Times New Roman" panose="02020603050405020304" pitchFamily="18" charset="0"/>
+              <a:cs typeface="Times New Roman" panose="02020603050405020304" pitchFamily="18" charset="0"/>
+            </a:endParaRPr>
+          </a:p>
+          <a:p>
+            <a:pPr algn="l"/>
+            <a:endParaRPr lang="en-US" sz="2200" b="1" u="sng" dirty="0" smtClean="0">
+              <a:solidFill>
+                <a:schemeClr val="tx1"/>
+              </a:solidFill>
+              <a:latin typeface="Times New Roman" panose="02020603050405020304" pitchFamily="18" charset="0"/>
+              <a:cs typeface="Times New Roman" panose="02020603050405020304" pitchFamily="18" charset="0"/>
+            </a:endParaRPr>
+          </a:p>
+          <a:p>
+            <a:pPr algn="l"/>
+            <a:endParaRPr lang="en-US" sz="2200" b="1" u="sng" dirty="0">
+              <a:solidFill>
+                <a:schemeClr val="tx1"/>
+              </a:solidFill>
+              <a:latin typeface="Times New Roman" panose="02020603050405020304" pitchFamily="18" charset="0"/>
+              <a:cs typeface="Times New Roman" panose="02020603050405020304" pitchFamily="18" charset="0"/>
+            </a:endParaRPr>
+          </a:p>
+          <a:p>
+            <a:pPr algn="l"/>
+            <a:endParaRPr lang="en-US" sz="2200" b="1" u="sng" dirty="0" smtClean="0">
+              <a:solidFill>
+                <a:schemeClr val="tx1"/>
+              </a:solidFill>
+              <a:latin typeface="Times New Roman" panose="02020603050405020304" pitchFamily="18" charset="0"/>
+              <a:cs typeface="Times New Roman" panose="02020603050405020304" pitchFamily="18" charset="0"/>
+            </a:endParaRPr>
+          </a:p>
+          <a:p>
+            <a:pPr algn="l"/>
+            <a:endParaRPr lang="en-US" sz="2200" b="1" u="sng" dirty="0" smtClean="0">
+              <a:solidFill>
+                <a:schemeClr val="tx1"/>
+              </a:solidFill>
+              <a:latin typeface="Times New Roman" panose="02020603050405020304" pitchFamily="18" charset="0"/>
+              <a:cs typeface="Times New Roman" panose="02020603050405020304" pitchFamily="18" charset="0"/>
+            </a:endParaRPr>
           </a:p>
           <a:p>
             <a:pPr algn="l"/>
@@ -5570,98 +5508,127 @@
           </a:p>
           <a:p>
             <a:pPr algn="l"/>
-            <a:r>
-              <a:rPr lang="en-US" sz="1700" dirty="0" smtClean="0">
+            <a:endParaRPr lang="en-US" sz="1700" dirty="0" smtClean="0">
+              <a:solidFill>
+                <a:schemeClr val="tx1"/>
+              </a:solidFill>
+              <a:latin typeface="Times New Roman" panose="02020603050405020304" pitchFamily="18" charset="0"/>
+              <a:cs typeface="Times New Roman" panose="02020603050405020304" pitchFamily="18" charset="0"/>
+            </a:endParaRPr>
+          </a:p>
+          <a:p>
+            <a:endParaRPr lang="en-US" sz="2800" dirty="0" smtClean="0"/>
+          </a:p>
+        </p:txBody>
+      </p:sp>
+      <p:pic>
+        <p:nvPicPr>
+          <p:cNvPr id="1026" name="Picture 2"/>
+          <p:cNvPicPr>
+            <a:picLocks noChangeAspect="1" noChangeArrowheads="1"/>
+          </p:cNvPicPr>
+          <p:nvPr/>
+        </p:nvPicPr>
+        <p:blipFill>
+          <a:blip r:embed="rId3">
+            <a:extLst>
+              <a:ext uri="{28A0092B-C50C-407E-A947-70E740481C1C}">
+                <a14:useLocalDpi xmlns:a14="http://schemas.microsoft.com/office/drawing/2010/main" val="0"/>
+              </a:ext>
+            </a:extLst>
+          </a:blip>
+          <a:srcRect/>
+          <a:stretch>
+            <a:fillRect/>
+          </a:stretch>
+        </p:blipFill>
+        <p:spPr bwMode="auto">
+          <a:xfrm>
+            <a:off x="1413164" y="2285132"/>
+            <a:ext cx="6317673" cy="1963601"/>
+          </a:xfrm>
+          <a:prstGeom prst="rect">
+            <a:avLst/>
+          </a:prstGeom>
+          <a:noFill/>
+          <a:ln>
+            <a:noFill/>
+          </a:ln>
+          <a:extLst>
+            <a:ext uri="{909E8E84-426E-40DD-AFC4-6F175D3DCCD1}">
+              <a14:hiddenFill xmlns:a14="http://schemas.microsoft.com/office/drawing/2010/main">
+                <a:solidFill>
+                  <a:schemeClr val="accent1"/>
+                </a:solidFill>
+              </a14:hiddenFill>
+            </a:ext>
+            <a:ext uri="{91240B29-F687-4F45-9708-019B960494DF}">
+              <a14:hiddenLine xmlns:a14="http://schemas.microsoft.com/office/drawing/2010/main" w="9525">
                 <a:solidFill>
                   <a:schemeClr val="tx1"/>
                 </a:solidFill>
-                <a:latin typeface="Times New Roman" panose="02020603050405020304" pitchFamily="18" charset="0"/>
-                <a:cs typeface="Times New Roman" panose="02020603050405020304" pitchFamily="18" charset="0"/>
-              </a:rPr>
-              <a:t>do {</a:t>
-            </a:r>
-            <a:br>
-              <a:rPr lang="en-US" sz="1700" dirty="0" smtClean="0">
+                <a:miter lim="800000"/>
+                <a:headEnd/>
+                <a:tailEnd/>
+              </a14:hiddenLine>
+            </a:ext>
+          </a:extLst>
+        </p:spPr>
+      </p:pic>
+      <p:pic>
+        <p:nvPicPr>
+          <p:cNvPr id="1027" name="Picture 3"/>
+          <p:cNvPicPr>
+            <a:picLocks noChangeAspect="1" noChangeArrowheads="1"/>
+          </p:cNvPicPr>
+          <p:nvPr/>
+        </p:nvPicPr>
+        <p:blipFill>
+          <a:blip r:embed="rId4">
+            <a:extLst>
+              <a:ext uri="{28A0092B-C50C-407E-A947-70E740481C1C}">
+                <a14:useLocalDpi xmlns:a14="http://schemas.microsoft.com/office/drawing/2010/main" val="0"/>
+              </a:ext>
+            </a:extLst>
+          </a:blip>
+          <a:srcRect/>
+          <a:stretch>
+            <a:fillRect/>
+          </a:stretch>
+        </p:blipFill>
+        <p:spPr bwMode="auto">
+          <a:xfrm>
+            <a:off x="1409700" y="4648200"/>
+            <a:ext cx="6324600" cy="1706058"/>
+          </a:xfrm>
+          <a:prstGeom prst="rect">
+            <a:avLst/>
+          </a:prstGeom>
+          <a:noFill/>
+          <a:ln>
+            <a:noFill/>
+          </a:ln>
+          <a:extLst>
+            <a:ext uri="{909E8E84-426E-40DD-AFC4-6F175D3DCCD1}">
+              <a14:hiddenFill xmlns:a14="http://schemas.microsoft.com/office/drawing/2010/main">
+                <a:solidFill>
+                  <a:schemeClr val="accent1"/>
+                </a:solidFill>
+              </a14:hiddenFill>
+            </a:ext>
+            <a:ext uri="{91240B29-F687-4F45-9708-019B960494DF}">
+              <a14:hiddenLine xmlns:a14="http://schemas.microsoft.com/office/drawing/2010/main" w="9525">
                 <a:solidFill>
                   <a:schemeClr val="tx1"/>
                 </a:solidFill>
-                <a:latin typeface="Times New Roman" panose="02020603050405020304" pitchFamily="18" charset="0"/>
-                <a:cs typeface="Times New Roman" panose="02020603050405020304" pitchFamily="18" charset="0"/>
-              </a:rPr>
-            </a:br>
-            <a:r>
-              <a:rPr lang="en-US" sz="1700" dirty="0" smtClean="0">
-                <a:solidFill>
-                  <a:schemeClr val="tx1"/>
-                </a:solidFill>
-                <a:latin typeface="Times New Roman" panose="02020603050405020304" pitchFamily="18" charset="0"/>
-                <a:cs typeface="Times New Roman" panose="02020603050405020304" pitchFamily="18" charset="0"/>
-              </a:rPr>
-              <a:t>    System.out.println("1. Check Balance");</a:t>
-            </a:r>
-            <a:br>
-              <a:rPr lang="en-US" sz="1700" dirty="0" smtClean="0">
-                <a:solidFill>
-                  <a:schemeClr val="tx1"/>
-                </a:solidFill>
-                <a:latin typeface="Times New Roman" panose="02020603050405020304" pitchFamily="18" charset="0"/>
-                <a:cs typeface="Times New Roman" panose="02020603050405020304" pitchFamily="18" charset="0"/>
-              </a:rPr>
-            </a:br>
-            <a:r>
-              <a:rPr lang="en-US" sz="1700" dirty="0" smtClean="0">
-                <a:solidFill>
-                  <a:schemeClr val="tx1"/>
-                </a:solidFill>
-                <a:latin typeface="Times New Roman" panose="02020603050405020304" pitchFamily="18" charset="0"/>
-                <a:cs typeface="Times New Roman" panose="02020603050405020304" pitchFamily="18" charset="0"/>
-              </a:rPr>
-              <a:t>    ...</a:t>
-            </a:r>
-            <a:br>
-              <a:rPr lang="en-US" sz="1700" dirty="0" smtClean="0">
-                <a:solidFill>
-                  <a:schemeClr val="tx1"/>
-                </a:solidFill>
-                <a:latin typeface="Times New Roman" panose="02020603050405020304" pitchFamily="18" charset="0"/>
-                <a:cs typeface="Times New Roman" panose="02020603050405020304" pitchFamily="18" charset="0"/>
-              </a:rPr>
-            </a:br>
-            <a:r>
-              <a:rPr lang="en-US" sz="1700" dirty="0" smtClean="0">
-                <a:solidFill>
-                  <a:schemeClr val="tx1"/>
-                </a:solidFill>
-                <a:latin typeface="Times New Roman" panose="02020603050405020304" pitchFamily="18" charset="0"/>
-                <a:cs typeface="Times New Roman" panose="02020603050405020304" pitchFamily="18" charset="0"/>
-              </a:rPr>
-              <a:t>    option = sc.nextInt();</a:t>
-            </a:r>
-            <a:br>
-              <a:rPr lang="en-US" sz="1700" dirty="0" smtClean="0">
-                <a:solidFill>
-                  <a:schemeClr val="tx1"/>
-                </a:solidFill>
-                <a:latin typeface="Times New Roman" panose="02020603050405020304" pitchFamily="18" charset="0"/>
-                <a:cs typeface="Times New Roman" panose="02020603050405020304" pitchFamily="18" charset="0"/>
-              </a:rPr>
-            </a:br>
-            <a:r>
-              <a:rPr lang="en-US" sz="1700" dirty="0" smtClean="0">
-                <a:solidFill>
-                  <a:schemeClr val="tx1"/>
-                </a:solidFill>
-                <a:latin typeface="Times New Roman" panose="02020603050405020304" pitchFamily="18" charset="0"/>
-                <a:cs typeface="Times New Roman" panose="02020603050405020304" pitchFamily="18" charset="0"/>
-              </a:rPr>
-              <a:t>} while(option != 4);</a:t>
-            </a:r>
-          </a:p>
-          <a:p>
-            <a:endParaRPr lang="en-US" sz="2800" dirty="0" smtClean="0"/>
-          </a:p>
-        </p:txBody>
-      </p:sp>
+                <a:miter lim="800000"/>
+                <a:headEnd/>
+                <a:tailEnd/>
+              </a14:hiddenLine>
+            </a:ext>
+          </a:extLst>
+        </p:spPr>
+      </p:pic>
     </p:spTree>
     <p:extLst>
       <p:ext uri="{BB962C8B-B14F-4D97-AF65-F5344CB8AC3E}">
@@ -5755,16 +5722,13 @@
                 <a:spcPct val="150000"/>
               </a:lnSpc>
             </a:pPr>
-            <a:r>
-              <a:rPr lang="en-US" sz="2800" b="1" u="sng" dirty="0" smtClean="0">
-                <a:solidFill>
-                  <a:schemeClr val="tx1"/>
-                </a:solidFill>
-                <a:latin typeface="Times New Roman" panose="02020603050405020304" pitchFamily="18" charset="0"/>
-                <a:cs typeface="Times New Roman" panose="02020603050405020304" pitchFamily="18" charset="0"/>
-              </a:rPr>
-              <a:t>Example Interaction:</a:t>
-            </a:r>
+            <a:endParaRPr lang="en-US" sz="2800" b="1" u="sng" dirty="0" smtClean="0">
+              <a:solidFill>
+                <a:schemeClr val="tx1"/>
+              </a:solidFill>
+              <a:latin typeface="Times New Roman" panose="02020603050405020304" pitchFamily="18" charset="0"/>
+              <a:cs typeface="Times New Roman" panose="02020603050405020304" pitchFamily="18" charset="0"/>
+            </a:endParaRPr>
           </a:p>
           <a:p>
             <a:pPr algn="l">
@@ -5772,50 +5736,13 @@
                 <a:spcPct val="150000"/>
               </a:lnSpc>
             </a:pPr>
-            <a:r>
-              <a:rPr lang="en-US" sz="2800" dirty="0" smtClean="0">
-                <a:solidFill>
-                  <a:schemeClr val="tx1"/>
-                </a:solidFill>
-                <a:latin typeface="Times New Roman" panose="02020603050405020304" pitchFamily="18" charset="0"/>
-                <a:cs typeface="Times New Roman" panose="02020603050405020304" pitchFamily="18" charset="0"/>
-              </a:rPr>
-              <a:t>- Enter amount to deposit: 1000</a:t>
-            </a:r>
-          </a:p>
-          <a:p>
-            <a:pPr algn="l">
-              <a:lnSpc>
-                <a:spcPct val="150000"/>
-              </a:lnSpc>
-            </a:pPr>
-            <a:r>
-              <a:rPr lang="en-US" sz="2800" dirty="0" smtClean="0">
-                <a:solidFill>
-                  <a:schemeClr val="tx1"/>
-                </a:solidFill>
-                <a:latin typeface="Times New Roman" panose="02020603050405020304" pitchFamily="18" charset="0"/>
-                <a:cs typeface="Times New Roman" panose="02020603050405020304" pitchFamily="18" charset="0"/>
-              </a:rPr>
-              <a:t>- Deposited: 1000</a:t>
-            </a:r>
-          </a:p>
-          <a:p>
-            <a:pPr algn="l">
-              <a:lnSpc>
-                <a:spcPct val="150000"/>
-              </a:lnSpc>
-            </a:pPr>
-            <a:r>
-              <a:rPr lang="en-US" sz="2800" dirty="0" smtClean="0">
-                <a:solidFill>
-                  <a:schemeClr val="tx1"/>
-                </a:solidFill>
-                <a:latin typeface="Times New Roman" panose="02020603050405020304" pitchFamily="18" charset="0"/>
-                <a:cs typeface="Times New Roman" panose="02020603050405020304" pitchFamily="18" charset="0"/>
-              </a:rPr>
-              <a:t>- Available balance: 1000</a:t>
-            </a:r>
+            <a:endParaRPr lang="en-US" sz="2800" b="1" u="sng" dirty="0" smtClean="0">
+              <a:solidFill>
+                <a:schemeClr val="tx1"/>
+              </a:solidFill>
+              <a:latin typeface="Times New Roman" panose="02020603050405020304" pitchFamily="18" charset="0"/>
+              <a:cs typeface="Times New Roman" panose="02020603050405020304" pitchFamily="18" charset="0"/>
+            </a:endParaRPr>
           </a:p>
           <a:p>
             <a:pPr algn="l"/>
@@ -5833,6 +5760,60 @@
           </a:p>
         </p:txBody>
       </p:sp>
+      <p:pic>
+        <p:nvPicPr>
+          <p:cNvPr id="2050" name="Picture 2"/>
+          <p:cNvPicPr>
+            <a:picLocks noChangeAspect="1" noChangeArrowheads="1"/>
+          </p:cNvPicPr>
+          <p:nvPr/>
+        </p:nvPicPr>
+        <p:blipFill>
+          <a:blip r:embed="rId3">
+            <a:extLst>
+              <a:ext uri="{28A0092B-C50C-407E-A947-70E740481C1C}">
+                <a14:useLocalDpi xmlns:a14="http://schemas.microsoft.com/office/drawing/2010/main" val="0"/>
+              </a:ext>
+            </a:extLst>
+          </a:blip>
+          <a:srcRect/>
+          <a:stretch>
+            <a:fillRect/>
+          </a:stretch>
+        </p:blipFill>
+        <p:spPr bwMode="auto">
+          <a:xfrm>
+            <a:off x="2376488" y="1676400"/>
+            <a:ext cx="4391025" cy="4171950"/>
+          </a:xfrm>
+          <a:prstGeom prst="rect">
+            <a:avLst/>
+          </a:prstGeom>
+          <a:noFill/>
+          <a:ln>
+            <a:noFill/>
+          </a:ln>
+          <a:extLst>
+            <a:ext uri="{909E8E84-426E-40DD-AFC4-6F175D3DCCD1}">
+              <a14:hiddenFill xmlns:a14="http://schemas.microsoft.com/office/drawing/2010/main">
+                <a:solidFill>
+                  <a:schemeClr val="accent1"/>
+                </a:solidFill>
+              </a14:hiddenFill>
+            </a:ext>
+            <a:ext uri="{91240B29-F687-4F45-9708-019B960494DF}">
+              <a14:hiddenLine xmlns:a14="http://schemas.microsoft.com/office/drawing/2010/main" w="9525">
+                <a:solidFill>
+                  <a:schemeClr val="tx1"/>
+                </a:solidFill>
+                <a:miter lim="800000"/>
+                <a:headEnd/>
+                <a:tailEnd/>
+              </a14:hiddenLine>
+            </a:ext>
+          </a:extLst>
+        </p:spPr>
+      </p:pic>
     </p:spTree>
     <p:extLst>
       <p:ext uri="{BB962C8B-B14F-4D97-AF65-F5344CB8AC3E}">
